--- a/Diagrams/Charts_MappingDataTypes_toRDF.pptx
+++ b/Diagrams/Charts_MappingDataTypes_toRDF.pptx
@@ -14,6 +14,8 @@
     <p:sldId id="261" r:id="rId8"/>
     <p:sldId id="265" r:id="rId9"/>
     <p:sldId id="266" r:id="rId10"/>
+    <p:sldId id="267" r:id="rId11"/>
+    <p:sldId id="268" r:id="rId12"/>
   </p:sldIdLst>
   <p:sldSz cx="12192000" cy="6858000"/>
   <p:notesSz cx="6858000" cy="9144000"/>
@@ -5449,6 +5451,390 @@
 </p:sld>
 </file>
 
+<file path=ppt/slides/slide10.xml><?xml version="1.0" encoding="utf-8"?>
+<p:sld xmlns:a="http://schemas.openxmlformats.org/drawingml/2006/main" xmlns:r="http://schemas.openxmlformats.org/officeDocument/2006/relationships" xmlns:p="http://schemas.openxmlformats.org/presentationml/2006/main">
+  <p:cSld>
+    <p:spTree>
+      <p:nvGrpSpPr>
+        <p:cNvPr id="1" name=""/>
+        <p:cNvGrpSpPr/>
+        <p:nvPr/>
+      </p:nvGrpSpPr>
+      <p:grpSpPr>
+        <a:xfrm>
+          <a:off x="0" y="0"/>
+          <a:ext cx="0" cy="0"/>
+          <a:chOff x="0" y="0"/>
+          <a:chExt cx="0" cy="0"/>
+        </a:xfrm>
+      </p:grpSpPr>
+      <p:pic>
+        <p:nvPicPr>
+          <p:cNvPr id="5" name="Picture 4">
+            <a:extLst>
+              <a:ext uri="{FF2B5EF4-FFF2-40B4-BE49-F238E27FC236}">
+                <a16:creationId xmlns:a16="http://schemas.microsoft.com/office/drawing/2014/main" id="{D2A755B0-95D0-4781-A829-3784D1344C5A}"/>
+              </a:ext>
+            </a:extLst>
+          </p:cNvPr>
+          <p:cNvPicPr>
+            <a:picLocks noChangeAspect="1"/>
+          </p:cNvPicPr>
+          <p:nvPr/>
+        </p:nvPicPr>
+        <p:blipFill>
+          <a:blip r:embed="rId2"/>
+          <a:stretch>
+            <a:fillRect/>
+          </a:stretch>
+        </p:blipFill>
+        <p:spPr>
+          <a:xfrm>
+            <a:off x="270649" y="718759"/>
+            <a:ext cx="11650701" cy="5420481"/>
+          </a:xfrm>
+          <a:prstGeom prst="rect">
+            <a:avLst/>
+          </a:prstGeom>
+        </p:spPr>
+      </p:pic>
+      <p:sp>
+        <p:nvSpPr>
+          <p:cNvPr id="6" name="TextBox 5">
+            <a:extLst>
+              <a:ext uri="{FF2B5EF4-FFF2-40B4-BE49-F238E27FC236}">
+                <a16:creationId xmlns:a16="http://schemas.microsoft.com/office/drawing/2014/main" id="{E407B8FF-F995-4419-A954-A55D83CBCBE4}"/>
+              </a:ext>
+            </a:extLst>
+          </p:cNvPr>
+          <p:cNvSpPr txBox="1"/>
+          <p:nvPr/>
+        </p:nvSpPr>
+        <p:spPr>
+          <a:xfrm>
+            <a:off x="2743200" y="4100659"/>
+            <a:ext cx="2686639" cy="369332"/>
+          </a:xfrm>
+          <a:prstGeom prst="rect">
+            <a:avLst/>
+          </a:prstGeom>
+          <a:noFill/>
+        </p:spPr>
+        <p:txBody>
+          <a:bodyPr wrap="square" rtlCol="0">
+            <a:spAutoFit/>
+          </a:bodyPr>
+          <a:lstStyle/>
+          <a:p>
+            <a:r>
+              <a:rPr lang="en-US" dirty="0">
+                <a:highlight>
+                  <a:srgbClr val="99CC66"/>
+                </a:highlight>
+              </a:rPr>
+              <a:t>name</a:t>
+            </a:r>
+            <a:endParaRPr lang="en-DE" dirty="0">
+              <a:highlight>
+                <a:srgbClr val="99CC66"/>
+              </a:highlight>
+            </a:endParaRPr>
+          </a:p>
+        </p:txBody>
+      </p:sp>
+      <p:sp>
+        <p:nvSpPr>
+          <p:cNvPr id="7" name="TextBox 6">
+            <a:extLst>
+              <a:ext uri="{FF2B5EF4-FFF2-40B4-BE49-F238E27FC236}">
+                <a16:creationId xmlns:a16="http://schemas.microsoft.com/office/drawing/2014/main" id="{960166CE-0BD1-4F37-B832-4898226B7E7C}"/>
+              </a:ext>
+            </a:extLst>
+          </p:cNvPr>
+          <p:cNvSpPr txBox="1"/>
+          <p:nvPr/>
+        </p:nvSpPr>
+        <p:spPr>
+          <a:xfrm>
+            <a:off x="3585882" y="5190565"/>
+            <a:ext cx="2473606" cy="369332"/>
+          </a:xfrm>
+          <a:prstGeom prst="rect">
+            <a:avLst/>
+          </a:prstGeom>
+          <a:noFill/>
+        </p:spPr>
+        <p:txBody>
+          <a:bodyPr wrap="square" rtlCol="0">
+            <a:spAutoFit/>
+          </a:bodyPr>
+          <a:lstStyle/>
+          <a:p>
+            <a:r>
+              <a:rPr lang="en-US" dirty="0" err="1">
+                <a:highlight>
+                  <a:srgbClr val="FFFF00"/>
+                </a:highlight>
+              </a:rPr>
+              <a:t>Xsd:string</a:t>
+            </a:r>
+            <a:endParaRPr lang="en-DE" dirty="0">
+              <a:highlight>
+                <a:srgbClr val="FFFF00"/>
+              </a:highlight>
+            </a:endParaRPr>
+          </a:p>
+        </p:txBody>
+      </p:sp>
+      <p:sp>
+        <p:nvSpPr>
+          <p:cNvPr id="8" name="TextBox 7">
+            <a:extLst>
+              <a:ext uri="{FF2B5EF4-FFF2-40B4-BE49-F238E27FC236}">
+                <a16:creationId xmlns:a16="http://schemas.microsoft.com/office/drawing/2014/main" id="{C37BE333-584F-46CB-9303-421E6E4E2586}"/>
+              </a:ext>
+            </a:extLst>
+          </p:cNvPr>
+          <p:cNvSpPr txBox="1"/>
+          <p:nvPr/>
+        </p:nvSpPr>
+        <p:spPr>
+          <a:xfrm>
+            <a:off x="5127812" y="3070412"/>
+            <a:ext cx="2473606" cy="369332"/>
+          </a:xfrm>
+          <a:prstGeom prst="rect">
+            <a:avLst/>
+          </a:prstGeom>
+          <a:noFill/>
+        </p:spPr>
+        <p:txBody>
+          <a:bodyPr wrap="square" rtlCol="0">
+            <a:spAutoFit/>
+          </a:bodyPr>
+          <a:lstStyle/>
+          <a:p>
+            <a:r>
+              <a:rPr lang="en-US" dirty="0" err="1">
+                <a:highlight>
+                  <a:srgbClr val="FFFF00"/>
+                </a:highlight>
+              </a:rPr>
+              <a:t>Xsd:string</a:t>
+            </a:r>
+            <a:endParaRPr lang="en-DE" dirty="0">
+              <a:highlight>
+                <a:srgbClr val="FFFF00"/>
+              </a:highlight>
+            </a:endParaRPr>
+          </a:p>
+        </p:txBody>
+      </p:sp>
+    </p:spTree>
+    <p:extLst>
+      <p:ext uri="{BB962C8B-B14F-4D97-AF65-F5344CB8AC3E}">
+        <p14:creationId xmlns:p14="http://schemas.microsoft.com/office/powerpoint/2010/main" val="4182370670"/>
+      </p:ext>
+    </p:extLst>
+  </p:cSld>
+  <p:clrMapOvr>
+    <a:masterClrMapping/>
+  </p:clrMapOvr>
+</p:sld>
+</file>
+
+<file path=ppt/slides/slide11.xml><?xml version="1.0" encoding="utf-8"?>
+<p:sld xmlns:a="http://schemas.openxmlformats.org/drawingml/2006/main" xmlns:r="http://schemas.openxmlformats.org/officeDocument/2006/relationships" xmlns:p="http://schemas.openxmlformats.org/presentationml/2006/main">
+  <p:cSld>
+    <p:spTree>
+      <p:nvGrpSpPr>
+        <p:cNvPr id="1" name=""/>
+        <p:cNvGrpSpPr/>
+        <p:nvPr/>
+      </p:nvGrpSpPr>
+      <p:grpSpPr>
+        <a:xfrm>
+          <a:off x="0" y="0"/>
+          <a:ext cx="0" cy="0"/>
+          <a:chOff x="0" y="0"/>
+          <a:chExt cx="0" cy="0"/>
+        </a:xfrm>
+      </p:grpSpPr>
+      <p:pic>
+        <p:nvPicPr>
+          <p:cNvPr id="5" name="Picture 4">
+            <a:extLst>
+              <a:ext uri="{FF2B5EF4-FFF2-40B4-BE49-F238E27FC236}">
+                <a16:creationId xmlns:a16="http://schemas.microsoft.com/office/drawing/2014/main" id="{D2A755B0-95D0-4781-A829-3784D1344C5A}"/>
+              </a:ext>
+            </a:extLst>
+          </p:cNvPr>
+          <p:cNvPicPr>
+            <a:picLocks noChangeAspect="1"/>
+          </p:cNvPicPr>
+          <p:nvPr/>
+        </p:nvPicPr>
+        <p:blipFill>
+          <a:blip r:embed="rId2"/>
+          <a:stretch>
+            <a:fillRect/>
+          </a:stretch>
+        </p:blipFill>
+        <p:spPr>
+          <a:xfrm>
+            <a:off x="270649" y="718759"/>
+            <a:ext cx="11650701" cy="5420481"/>
+          </a:xfrm>
+          <a:prstGeom prst="rect">
+            <a:avLst/>
+          </a:prstGeom>
+        </p:spPr>
+      </p:pic>
+      <p:sp>
+        <p:nvSpPr>
+          <p:cNvPr id="6" name="TextBox 5">
+            <a:extLst>
+              <a:ext uri="{FF2B5EF4-FFF2-40B4-BE49-F238E27FC236}">
+                <a16:creationId xmlns:a16="http://schemas.microsoft.com/office/drawing/2014/main" id="{E407B8FF-F995-4419-A954-A55D83CBCBE4}"/>
+              </a:ext>
+            </a:extLst>
+          </p:cNvPr>
+          <p:cNvSpPr txBox="1"/>
+          <p:nvPr/>
+        </p:nvSpPr>
+        <p:spPr>
+          <a:xfrm>
+            <a:off x="2743200" y="4100659"/>
+            <a:ext cx="2686639" cy="369332"/>
+          </a:xfrm>
+          <a:prstGeom prst="rect">
+            <a:avLst/>
+          </a:prstGeom>
+          <a:noFill/>
+        </p:spPr>
+        <p:txBody>
+          <a:bodyPr wrap="square" rtlCol="0">
+            <a:spAutoFit/>
+          </a:bodyPr>
+          <a:lstStyle/>
+          <a:p>
+            <a:r>
+              <a:rPr lang="en-US" dirty="0">
+                <a:highlight>
+                  <a:srgbClr val="99CC66"/>
+                </a:highlight>
+              </a:rPr>
+              <a:t>name</a:t>
+            </a:r>
+            <a:endParaRPr lang="en-DE" dirty="0">
+              <a:highlight>
+                <a:srgbClr val="99CC66"/>
+              </a:highlight>
+            </a:endParaRPr>
+          </a:p>
+        </p:txBody>
+      </p:sp>
+      <p:sp>
+        <p:nvSpPr>
+          <p:cNvPr id="7" name="TextBox 6">
+            <a:extLst>
+              <a:ext uri="{FF2B5EF4-FFF2-40B4-BE49-F238E27FC236}">
+                <a16:creationId xmlns:a16="http://schemas.microsoft.com/office/drawing/2014/main" id="{960166CE-0BD1-4F37-B832-4898226B7E7C}"/>
+              </a:ext>
+            </a:extLst>
+          </p:cNvPr>
+          <p:cNvSpPr txBox="1"/>
+          <p:nvPr/>
+        </p:nvSpPr>
+        <p:spPr>
+          <a:xfrm>
+            <a:off x="3585882" y="5190565"/>
+            <a:ext cx="2473606" cy="369332"/>
+          </a:xfrm>
+          <a:prstGeom prst="rect">
+            <a:avLst/>
+          </a:prstGeom>
+          <a:noFill/>
+        </p:spPr>
+        <p:txBody>
+          <a:bodyPr wrap="square" rtlCol="0">
+            <a:spAutoFit/>
+          </a:bodyPr>
+          <a:lstStyle/>
+          <a:p>
+            <a:r>
+              <a:rPr lang="en-US" dirty="0" err="1">
+                <a:highlight>
+                  <a:srgbClr val="FFFF00"/>
+                </a:highlight>
+              </a:rPr>
+              <a:t>mYcURBE</a:t>
+            </a:r>
+            <a:endParaRPr lang="en-DE" dirty="0">
+              <a:highlight>
+                <a:srgbClr val="FFFF00"/>
+              </a:highlight>
+            </a:endParaRPr>
+          </a:p>
+        </p:txBody>
+      </p:sp>
+      <p:sp>
+        <p:nvSpPr>
+          <p:cNvPr id="8" name="TextBox 7">
+            <a:extLst>
+              <a:ext uri="{FF2B5EF4-FFF2-40B4-BE49-F238E27FC236}">
+                <a16:creationId xmlns:a16="http://schemas.microsoft.com/office/drawing/2014/main" id="{C37BE333-584F-46CB-9303-421E6E4E2586}"/>
+              </a:ext>
+            </a:extLst>
+          </p:cNvPr>
+          <p:cNvSpPr txBox="1"/>
+          <p:nvPr/>
+        </p:nvSpPr>
+        <p:spPr>
+          <a:xfrm>
+            <a:off x="5127812" y="3070412"/>
+            <a:ext cx="2473606" cy="369332"/>
+          </a:xfrm>
+          <a:prstGeom prst="rect">
+            <a:avLst/>
+          </a:prstGeom>
+          <a:noFill/>
+        </p:spPr>
+        <p:txBody>
+          <a:bodyPr wrap="square" rtlCol="0">
+            <a:spAutoFit/>
+          </a:bodyPr>
+          <a:lstStyle/>
+          <a:p>
+            <a:r>
+              <a:rPr lang="en-US" dirty="0" err="1">
+                <a:highlight>
+                  <a:srgbClr val="FFFF00"/>
+                </a:highlight>
+              </a:rPr>
+              <a:t>Xsd:string</a:t>
+            </a:r>
+            <a:endParaRPr lang="en-DE" dirty="0">
+              <a:highlight>
+                <a:srgbClr val="FFFF00"/>
+              </a:highlight>
+            </a:endParaRPr>
+          </a:p>
+        </p:txBody>
+      </p:sp>
+    </p:spTree>
+    <p:extLst>
+      <p:ext uri="{BB962C8B-B14F-4D97-AF65-F5344CB8AC3E}">
+        <p14:creationId xmlns:p14="http://schemas.microsoft.com/office/powerpoint/2010/main" val="354163395"/>
+      </p:ext>
+    </p:extLst>
+  </p:cSld>
+  <p:clrMapOvr>
+    <a:masterClrMapping/>
+  </p:clrMapOvr>
+</p:sld>
+</file>
+
 <file path=ppt/slides/slide2.xml><?xml version="1.0" encoding="utf-8"?>
 <p:sld xmlns:a="http://schemas.openxmlformats.org/drawingml/2006/main" xmlns:r="http://schemas.openxmlformats.org/officeDocument/2006/relationships" xmlns:p="http://schemas.openxmlformats.org/presentationml/2006/main">
   <p:cSld>
@@ -10675,7 +11061,7 @@
         </p:nvGrpSpPr>
         <p:grpSpPr>
           <a:xfrm>
-            <a:off x="2846395" y="2724475"/>
+            <a:off x="2324738" y="2718637"/>
             <a:ext cx="1387695" cy="978633"/>
             <a:chOff x="294783" y="1810379"/>
             <a:chExt cx="1309845" cy="923731"/>
@@ -10791,8 +11177,8 @@
         </p:nvCxnSpPr>
         <p:spPr>
           <a:xfrm flipV="1">
-            <a:off x="4033583" y="3170030"/>
-            <a:ext cx="2325123" cy="43762"/>
+            <a:off x="3511926" y="3170030"/>
+            <a:ext cx="2846780" cy="37924"/>
           </a:xfrm>
           <a:prstGeom prst="straightConnector1">
             <a:avLst/>
@@ -10830,7 +11216,7 @@
         </p:nvGrpSpPr>
         <p:grpSpPr>
           <a:xfrm>
-            <a:off x="4136893" y="2980917"/>
+            <a:off x="3928803" y="2983091"/>
             <a:ext cx="2004382" cy="338554"/>
             <a:chOff x="2618296" y="2158346"/>
             <a:chExt cx="967680" cy="911144"/>
@@ -21686,7 +22072,7 @@
         </p:nvGrpSpPr>
         <p:grpSpPr>
           <a:xfrm>
-            <a:off x="9626861" y="272930"/>
+            <a:off x="9884461" y="281293"/>
             <a:ext cx="1091682" cy="338554"/>
             <a:chOff x="1903445" y="1318956"/>
             <a:chExt cx="1091682" cy="338554"/>
@@ -21797,8 +22183,8 @@
         </p:nvCxnSpPr>
         <p:spPr>
           <a:xfrm flipV="1">
-            <a:off x="8223768" y="442207"/>
-            <a:ext cx="1403093" cy="170242"/>
+            <a:off x="8223768" y="450570"/>
+            <a:ext cx="1660693" cy="161879"/>
           </a:xfrm>
           <a:prstGeom prst="straightConnector1">
             <a:avLst/>
@@ -21836,7 +22222,7 @@
         </p:nvGrpSpPr>
         <p:grpSpPr>
           <a:xfrm>
-            <a:off x="8514745" y="413653"/>
+            <a:off x="8525462" y="287892"/>
             <a:ext cx="774708" cy="338554"/>
             <a:chOff x="2610072" y="2073410"/>
             <a:chExt cx="1091682" cy="338554"/>
@@ -21946,7 +22332,7 @@
         </p:nvGrpSpPr>
         <p:grpSpPr>
           <a:xfrm>
-            <a:off x="9632805" y="911686"/>
+            <a:off x="9822526" y="920723"/>
             <a:ext cx="1091682" cy="338554"/>
             <a:chOff x="1903445" y="1318956"/>
             <a:chExt cx="1091682" cy="338554"/>
@@ -22057,8 +22443,8 @@
         </p:nvCxnSpPr>
         <p:spPr>
           <a:xfrm flipV="1">
-            <a:off x="8223768" y="1080963"/>
-            <a:ext cx="1409037" cy="72500"/>
+            <a:off x="8223768" y="1090000"/>
+            <a:ext cx="1598758" cy="63463"/>
           </a:xfrm>
           <a:prstGeom prst="straightConnector1">
             <a:avLst/>
